--- a/최종설계프로젝트/server matrix control.pptx
+++ b/최종설계프로젝트/server matrix control.pptx
@@ -119,10 +119,89 @@
   <pc:docChgLst>
     <pc:chgData name="chlalswl2000@ajou.ac.kr" userId="1c87144d-ea01-4ad9-b87b-8435de56d307" providerId="ADAL" clId="{CE38BF14-FC60-4D5E-A270-C7D47E970235}"/>
     <pc:docChg chg="custSel addSld modSld">
-      <pc:chgData name="chlalswl2000@ajou.ac.kr" userId="1c87144d-ea01-4ad9-b87b-8435de56d307" providerId="ADAL" clId="{CE38BF14-FC60-4D5E-A270-C7D47E970235}" dt="2021-12-03T14:45:28.723" v="1515" actId="20577"/>
+      <pc:chgData name="chlalswl2000@ajou.ac.kr" userId="1c87144d-ea01-4ad9-b87b-8435de56d307" providerId="ADAL" clId="{CE38BF14-FC60-4D5E-A270-C7D47E970235}" dt="2021-12-03T15:00:28.574" v="1527" actId="1076"/>
       <pc:docMkLst>
         <pc:docMk/>
       </pc:docMkLst>
+      <pc:sldChg chg="addSp delSp modSp mod">
+        <pc:chgData name="chlalswl2000@ajou.ac.kr" userId="1c87144d-ea01-4ad9-b87b-8435de56d307" providerId="ADAL" clId="{CE38BF14-FC60-4D5E-A270-C7D47E970235}" dt="2021-12-03T15:00:28.574" v="1527" actId="1076"/>
+        <pc:sldMkLst>
+          <pc:docMk/>
+          <pc:sldMk cId="3894889811" sldId="256"/>
+        </pc:sldMkLst>
+        <pc:spChg chg="mod">
+          <ac:chgData name="chlalswl2000@ajou.ac.kr" userId="1c87144d-ea01-4ad9-b87b-8435de56d307" providerId="ADAL" clId="{CE38BF14-FC60-4D5E-A270-C7D47E970235}" dt="2021-12-03T14:57:13.917" v="1521"/>
+          <ac:spMkLst>
+            <pc:docMk/>
+            <pc:sldMk cId="3894889811" sldId="256"/>
+            <ac:spMk id="30" creationId="{654CDA36-D798-4AC3-BB8B-EF0AA8DB7612}"/>
+          </ac:spMkLst>
+        </pc:spChg>
+        <pc:picChg chg="add mod">
+          <ac:chgData name="chlalswl2000@ajou.ac.kr" userId="1c87144d-ea01-4ad9-b87b-8435de56d307" providerId="ADAL" clId="{CE38BF14-FC60-4D5E-A270-C7D47E970235}" dt="2021-12-03T14:55:09.199" v="1520" actId="1076"/>
+          <ac:picMkLst>
+            <pc:docMk/>
+            <pc:sldMk cId="3894889811" sldId="256"/>
+            <ac:picMk id="3" creationId="{5903A815-E451-4A82-B1EA-DE28622DC32D}"/>
+          </ac:picMkLst>
+        </pc:picChg>
+        <pc:picChg chg="add mod">
+          <ac:chgData name="chlalswl2000@ajou.ac.kr" userId="1c87144d-ea01-4ad9-b87b-8435de56d307" providerId="ADAL" clId="{CE38BF14-FC60-4D5E-A270-C7D47E970235}" dt="2021-12-03T15:00:21.547" v="1525" actId="1076"/>
+          <ac:picMkLst>
+            <pc:docMk/>
+            <pc:sldMk cId="3894889811" sldId="256"/>
+            <ac:picMk id="6" creationId="{6C72648F-C028-438B-BDA8-1855A1D6DF1C}"/>
+          </ac:picMkLst>
+        </pc:picChg>
+        <pc:picChg chg="del">
+          <ac:chgData name="chlalswl2000@ajou.ac.kr" userId="1c87144d-ea01-4ad9-b87b-8435de56d307" providerId="ADAL" clId="{CE38BF14-FC60-4D5E-A270-C7D47E970235}" dt="2021-12-03T14:55:00.069" v="1516" actId="478"/>
+          <ac:picMkLst>
+            <pc:docMk/>
+            <pc:sldMk cId="3894889811" sldId="256"/>
+            <ac:picMk id="20" creationId="{4AF428E0-B0C6-4852-9AED-C4D1596EC89C}"/>
+          </ac:picMkLst>
+        </pc:picChg>
+        <pc:picChg chg="del">
+          <ac:chgData name="chlalswl2000@ajou.ac.kr" userId="1c87144d-ea01-4ad9-b87b-8435de56d307" providerId="ADAL" clId="{CE38BF14-FC60-4D5E-A270-C7D47E970235}" dt="2021-12-03T14:55:01.337" v="1517" actId="478"/>
+          <ac:picMkLst>
+            <pc:docMk/>
+            <pc:sldMk cId="3894889811" sldId="256"/>
+            <ac:picMk id="22" creationId="{16AB6540-C559-498F-B713-214EA5C49B4A}"/>
+          </ac:picMkLst>
+        </pc:picChg>
+        <pc:picChg chg="del">
+          <ac:chgData name="chlalswl2000@ajou.ac.kr" userId="1c87144d-ea01-4ad9-b87b-8435de56d307" providerId="ADAL" clId="{CE38BF14-FC60-4D5E-A270-C7D47E970235}" dt="2021-12-03T15:00:17.140" v="1522" actId="478"/>
+          <ac:picMkLst>
+            <pc:docMk/>
+            <pc:sldMk cId="3894889811" sldId="256"/>
+            <ac:picMk id="25" creationId="{BBEAA0D3-7E06-4F28-81B1-1F65A09686AE}"/>
+          </ac:picMkLst>
+        </pc:picChg>
+        <pc:picChg chg="del">
+          <ac:chgData name="chlalswl2000@ajou.ac.kr" userId="1c87144d-ea01-4ad9-b87b-8435de56d307" providerId="ADAL" clId="{CE38BF14-FC60-4D5E-A270-C7D47E970235}" dt="2021-12-03T15:00:17.140" v="1522" actId="478"/>
+          <ac:picMkLst>
+            <pc:docMk/>
+            <pc:sldMk cId="3894889811" sldId="256"/>
+            <ac:picMk id="27" creationId="{F8786E75-E46E-4274-9CBD-E51DBC6F1BD9}"/>
+          </ac:picMkLst>
+        </pc:picChg>
+        <pc:picChg chg="mod">
+          <ac:chgData name="chlalswl2000@ajou.ac.kr" userId="1c87144d-ea01-4ad9-b87b-8435de56d307" providerId="ADAL" clId="{CE38BF14-FC60-4D5E-A270-C7D47E970235}" dt="2021-12-03T15:00:25.857" v="1526" actId="1076"/>
+          <ac:picMkLst>
+            <pc:docMk/>
+            <pc:sldMk cId="3894889811" sldId="256"/>
+            <ac:picMk id="29" creationId="{E9EDB714-E924-421C-B1E5-0DF28FC69329}"/>
+          </ac:picMkLst>
+        </pc:picChg>
+        <pc:picChg chg="mod">
+          <ac:chgData name="chlalswl2000@ajou.ac.kr" userId="1c87144d-ea01-4ad9-b87b-8435de56d307" providerId="ADAL" clId="{CE38BF14-FC60-4D5E-A270-C7D47E970235}" dt="2021-12-03T15:00:28.574" v="1527" actId="1076"/>
+          <ac:picMkLst>
+            <pc:docMk/>
+            <pc:sldMk cId="3894889811" sldId="256"/>
+            <ac:picMk id="34" creationId="{5DEE3B00-D6A9-443E-AEE2-84E6051C4278}"/>
+          </ac:picMkLst>
+        </pc:picChg>
+      </pc:sldChg>
       <pc:sldChg chg="addSp delSp modSp new mod">
         <pc:chgData name="chlalswl2000@ajou.ac.kr" userId="1c87144d-ea01-4ad9-b87b-8435de56d307" providerId="ADAL" clId="{CE38BF14-FC60-4D5E-A270-C7D47E970235}" dt="2021-12-03T14:45:28.723" v="1515" actId="20577"/>
         <pc:sldMkLst>
@@ -3569,10 +3648,10 @@
       </p:pic>
       <p:pic>
         <p:nvPicPr>
-          <p:cNvPr id="20" name="그림 19">
-            <a:extLst>
-              <a:ext uri="{FF2B5EF4-FFF2-40B4-BE49-F238E27FC236}">
-                <a16:creationId xmlns:a16="http://schemas.microsoft.com/office/drawing/2014/main" id="{4AF428E0-B0C6-4852-9AED-C4D1596EC89C}"/>
+          <p:cNvPr id="29" name="그림 28">
+            <a:extLst>
+              <a:ext uri="{FF2B5EF4-FFF2-40B4-BE49-F238E27FC236}">
+                <a16:creationId xmlns:a16="http://schemas.microsoft.com/office/drawing/2014/main" id="{E9EDB714-E924-421C-B1E5-0DF28FC69329}"/>
               </a:ext>
             </a:extLst>
           </p:cNvPr>
@@ -3589,20 +3668,134 @@
         </p:blipFill>
         <p:spPr>
           <a:xfrm>
-            <a:off x="2114414" y="3425532"/>
-            <a:ext cx="1643015" cy="1657427"/>
+            <a:off x="7050400" y="3430238"/>
+            <a:ext cx="1652750" cy="1657582"/>
           </a:xfrm>
           <a:prstGeom prst="rect">
             <a:avLst/>
           </a:prstGeom>
         </p:spPr>
       </p:pic>
+      <p:sp>
+        <p:nvSpPr>
+          <p:cNvPr id="30" name="TextBox 29">
+            <a:extLst>
+              <a:ext uri="{FF2B5EF4-FFF2-40B4-BE49-F238E27FC236}">
+                <a16:creationId xmlns:a16="http://schemas.microsoft.com/office/drawing/2014/main" id="{654CDA36-D798-4AC3-BB8B-EF0AA8DB7612}"/>
+              </a:ext>
+            </a:extLst>
+          </p:cNvPr>
+          <p:cNvSpPr txBox="1"/>
+          <p:nvPr/>
+        </p:nvSpPr>
+        <p:spPr>
+          <a:xfrm>
+            <a:off x="8891386" y="0"/>
+            <a:ext cx="3348035" cy="923330"/>
+          </a:xfrm>
+          <a:prstGeom prst="rect">
+            <a:avLst/>
+          </a:prstGeom>
+          <a:noFill/>
+        </p:spPr>
+        <p:txBody>
+          <a:bodyPr wrap="square" rtlCol="0">
+            <a:spAutoFit/>
+          </a:bodyPr>
+          <a:lstStyle/>
+          <a:p>
+            <a:r>
+              <a:rPr lang="en-US" altLang="ko-KR" dirty="0"/>
+              <a:t>8X8 dot matrix generator</a:t>
+            </a:r>
+          </a:p>
+          <a:p>
+            <a:r>
+              <a:rPr lang="en-US" altLang="ko-KR" dirty="0"/>
+              <a:t>http://robojax.com/learn/arduino/8x8LED/</a:t>
+            </a:r>
+            <a:endParaRPr lang="ko-KR" altLang="en-US" dirty="0"/>
+          </a:p>
+        </p:txBody>
+      </p:sp>
+      <p:sp>
+        <p:nvSpPr>
+          <p:cNvPr id="31" name="TextBox 30">
+            <a:extLst>
+              <a:ext uri="{FF2B5EF4-FFF2-40B4-BE49-F238E27FC236}">
+                <a16:creationId xmlns:a16="http://schemas.microsoft.com/office/drawing/2014/main" id="{1D06FBD8-CB5B-467E-BEE9-AD68CF3D9980}"/>
+              </a:ext>
+            </a:extLst>
+          </p:cNvPr>
+          <p:cNvSpPr txBox="1"/>
+          <p:nvPr/>
+        </p:nvSpPr>
+        <p:spPr>
+          <a:xfrm>
+            <a:off x="133165" y="697285"/>
+            <a:ext cx="1643015" cy="369332"/>
+          </a:xfrm>
+          <a:prstGeom prst="rect">
+            <a:avLst/>
+          </a:prstGeom>
+          <a:noFill/>
+        </p:spPr>
+        <p:txBody>
+          <a:bodyPr wrap="square" rtlCol="0">
+            <a:spAutoFit/>
+          </a:bodyPr>
+          <a:lstStyle/>
+          <a:p>
+            <a:r>
+              <a:rPr lang="en-US" altLang="ko-KR"/>
+              <a:t>- Motor state</a:t>
+            </a:r>
+            <a:endParaRPr lang="ko-KR" altLang="en-US" dirty="0"/>
+          </a:p>
+        </p:txBody>
+      </p:sp>
+      <p:sp>
+        <p:nvSpPr>
+          <p:cNvPr id="32" name="TextBox 31">
+            <a:extLst>
+              <a:ext uri="{FF2B5EF4-FFF2-40B4-BE49-F238E27FC236}">
+                <a16:creationId xmlns:a16="http://schemas.microsoft.com/office/drawing/2014/main" id="{8919B43F-8C38-48DF-9618-EBD1977B27DC}"/>
+              </a:ext>
+            </a:extLst>
+          </p:cNvPr>
+          <p:cNvSpPr txBox="1"/>
+          <p:nvPr/>
+        </p:nvSpPr>
+        <p:spPr>
+          <a:xfrm>
+            <a:off x="133811" y="3055994"/>
+            <a:ext cx="1643015" cy="369332"/>
+          </a:xfrm>
+          <a:prstGeom prst="rect">
+            <a:avLst/>
+          </a:prstGeom>
+          <a:noFill/>
+        </p:spPr>
+        <p:txBody>
+          <a:bodyPr wrap="square" rtlCol="0">
+            <a:spAutoFit/>
+          </a:bodyPr>
+          <a:lstStyle/>
+          <a:p>
+            <a:r>
+              <a:rPr lang="en-US" altLang="ko-KR" dirty="0"/>
+              <a:t>- Event</a:t>
+            </a:r>
+            <a:endParaRPr lang="ko-KR" altLang="en-US" dirty="0"/>
+          </a:p>
+        </p:txBody>
+      </p:sp>
       <p:pic>
         <p:nvPicPr>
-          <p:cNvPr id="22" name="그림 21">
-            <a:extLst>
-              <a:ext uri="{FF2B5EF4-FFF2-40B4-BE49-F238E27FC236}">
-                <a16:creationId xmlns:a16="http://schemas.microsoft.com/office/drawing/2014/main" id="{16AB6540-C559-498F-B713-214EA5C49B4A}"/>
+          <p:cNvPr id="34" name="그림 33">
+            <a:extLst>
+              <a:ext uri="{FF2B5EF4-FFF2-40B4-BE49-F238E27FC236}">
+                <a16:creationId xmlns:a16="http://schemas.microsoft.com/office/drawing/2014/main" id="{5DEE3B00-D6A9-443E-AEE2-84E6051C4278}"/>
               </a:ext>
             </a:extLst>
           </p:cNvPr>
@@ -3619,8 +3812,8 @@
         </p:blipFill>
         <p:spPr>
           <a:xfrm>
-            <a:off x="3867705" y="3425532"/>
-            <a:ext cx="1643015" cy="1667106"/>
+            <a:off x="9215626" y="3517934"/>
+            <a:ext cx="1451937" cy="1477484"/>
           </a:xfrm>
           <a:prstGeom prst="rect">
             <a:avLst/>
@@ -3629,10 +3822,10 @@
       </p:pic>
       <p:pic>
         <p:nvPicPr>
-          <p:cNvPr id="25" name="그림 24">
-            <a:extLst>
-              <a:ext uri="{FF2B5EF4-FFF2-40B4-BE49-F238E27FC236}">
-                <a16:creationId xmlns:a16="http://schemas.microsoft.com/office/drawing/2014/main" id="{BBEAA0D3-7E06-4F28-81B1-1F65A09686AE}"/>
+          <p:cNvPr id="36" name="그림 35">
+            <a:extLst>
+              <a:ext uri="{FF2B5EF4-FFF2-40B4-BE49-F238E27FC236}">
+                <a16:creationId xmlns:a16="http://schemas.microsoft.com/office/drawing/2014/main" id="{EA97ACB3-1C33-41C9-A4FF-E16BEADF9800}"/>
               </a:ext>
             </a:extLst>
           </p:cNvPr>
@@ -3649,8 +3842,8 @@
         </p:blipFill>
         <p:spPr>
           <a:xfrm>
-            <a:off x="7585654" y="3430294"/>
-            <a:ext cx="1643015" cy="1662344"/>
+            <a:off x="4830742" y="5261051"/>
+            <a:ext cx="1359956" cy="1383885"/>
           </a:xfrm>
           <a:prstGeom prst="rect">
             <a:avLst/>
@@ -3659,10 +3852,10 @@
       </p:pic>
       <p:pic>
         <p:nvPicPr>
-          <p:cNvPr id="27" name="그림 26">
-            <a:extLst>
-              <a:ext uri="{FF2B5EF4-FFF2-40B4-BE49-F238E27FC236}">
-                <a16:creationId xmlns:a16="http://schemas.microsoft.com/office/drawing/2014/main" id="{F8786E75-E46E-4274-9CBD-E51DBC6F1BD9}"/>
+          <p:cNvPr id="3" name="그림 2">
+            <a:extLst>
+              <a:ext uri="{FF2B5EF4-FFF2-40B4-BE49-F238E27FC236}">
+                <a16:creationId xmlns:a16="http://schemas.microsoft.com/office/drawing/2014/main" id="{5903A815-E451-4A82-B1EA-DE28622DC32D}"/>
               </a:ext>
             </a:extLst>
           </p:cNvPr>
@@ -3679,8 +3872,8 @@
         </p:blipFill>
         <p:spPr>
           <a:xfrm>
-            <a:off x="5832363" y="3425377"/>
-            <a:ext cx="1624239" cy="1657582"/>
+            <a:off x="2259796" y="3384069"/>
+            <a:ext cx="1709411" cy="1754794"/>
           </a:xfrm>
           <a:prstGeom prst="rect">
             <a:avLst/>
@@ -3689,10 +3882,10 @@
       </p:pic>
       <p:pic>
         <p:nvPicPr>
-          <p:cNvPr id="29" name="그림 28">
-            <a:extLst>
-              <a:ext uri="{FF2B5EF4-FFF2-40B4-BE49-F238E27FC236}">
-                <a16:creationId xmlns:a16="http://schemas.microsoft.com/office/drawing/2014/main" id="{E9EDB714-E924-421C-B1E5-0DF28FC69329}"/>
+          <p:cNvPr id="6" name="그림 5">
+            <a:extLst>
+              <a:ext uri="{FF2B5EF4-FFF2-40B4-BE49-F238E27FC236}">
+                <a16:creationId xmlns:a16="http://schemas.microsoft.com/office/drawing/2014/main" id="{6C72648F-C028-438B-BDA8-1855A1D6DF1C}"/>
               </a:ext>
             </a:extLst>
           </p:cNvPr>
@@ -3709,182 +3902,8 @@
         </p:blipFill>
         <p:spPr>
           <a:xfrm>
-            <a:off x="9642679" y="3432675"/>
-            <a:ext cx="1652750" cy="1657582"/>
-          </a:xfrm>
-          <a:prstGeom prst="rect">
-            <a:avLst/>
-          </a:prstGeom>
-        </p:spPr>
-      </p:pic>
-      <p:sp>
-        <p:nvSpPr>
-          <p:cNvPr id="30" name="TextBox 29">
-            <a:extLst>
-              <a:ext uri="{FF2B5EF4-FFF2-40B4-BE49-F238E27FC236}">
-                <a16:creationId xmlns:a16="http://schemas.microsoft.com/office/drawing/2014/main" id="{654CDA36-D798-4AC3-BB8B-EF0AA8DB7612}"/>
-              </a:ext>
-            </a:extLst>
-          </p:cNvPr>
-          <p:cNvSpPr txBox="1"/>
-          <p:nvPr/>
-        </p:nvSpPr>
-        <p:spPr>
-          <a:xfrm>
-            <a:off x="8891386" y="0"/>
-            <a:ext cx="3348035" cy="923330"/>
-          </a:xfrm>
-          <a:prstGeom prst="rect">
-            <a:avLst/>
-          </a:prstGeom>
-          <a:noFill/>
-        </p:spPr>
-        <p:txBody>
-          <a:bodyPr wrap="square" rtlCol="0">
-            <a:spAutoFit/>
-          </a:bodyPr>
-          <a:lstStyle/>
-          <a:p>
-            <a:r>
-              <a:rPr lang="en-US" altLang="ko-KR" dirty="0"/>
-              <a:t>8X8 dot matrix generator</a:t>
-            </a:r>
-          </a:p>
-          <a:p>
-            <a:r>
-              <a:rPr lang="en-US" altLang="ko-KR" dirty="0"/>
-              <a:t>https://www.prf.jcu.cz/generator-led-matrix/index.htm</a:t>
-            </a:r>
-            <a:endParaRPr lang="ko-KR" altLang="en-US" dirty="0"/>
-          </a:p>
-        </p:txBody>
-      </p:sp>
-      <p:sp>
-        <p:nvSpPr>
-          <p:cNvPr id="31" name="TextBox 30">
-            <a:extLst>
-              <a:ext uri="{FF2B5EF4-FFF2-40B4-BE49-F238E27FC236}">
-                <a16:creationId xmlns:a16="http://schemas.microsoft.com/office/drawing/2014/main" id="{1D06FBD8-CB5B-467E-BEE9-AD68CF3D9980}"/>
-              </a:ext>
-            </a:extLst>
-          </p:cNvPr>
-          <p:cNvSpPr txBox="1"/>
-          <p:nvPr/>
-        </p:nvSpPr>
-        <p:spPr>
-          <a:xfrm>
-            <a:off x="133165" y="697285"/>
-            <a:ext cx="1643015" cy="369332"/>
-          </a:xfrm>
-          <a:prstGeom prst="rect">
-            <a:avLst/>
-          </a:prstGeom>
-          <a:noFill/>
-        </p:spPr>
-        <p:txBody>
-          <a:bodyPr wrap="square" rtlCol="0">
-            <a:spAutoFit/>
-          </a:bodyPr>
-          <a:lstStyle/>
-          <a:p>
-            <a:r>
-              <a:rPr lang="en-US" altLang="ko-KR"/>
-              <a:t>- Motor state</a:t>
-            </a:r>
-            <a:endParaRPr lang="ko-KR" altLang="en-US" dirty="0"/>
-          </a:p>
-        </p:txBody>
-      </p:sp>
-      <p:sp>
-        <p:nvSpPr>
-          <p:cNvPr id="32" name="TextBox 31">
-            <a:extLst>
-              <a:ext uri="{FF2B5EF4-FFF2-40B4-BE49-F238E27FC236}">
-                <a16:creationId xmlns:a16="http://schemas.microsoft.com/office/drawing/2014/main" id="{8919B43F-8C38-48DF-9618-EBD1977B27DC}"/>
-              </a:ext>
-            </a:extLst>
-          </p:cNvPr>
-          <p:cNvSpPr txBox="1"/>
-          <p:nvPr/>
-        </p:nvSpPr>
-        <p:spPr>
-          <a:xfrm>
-            <a:off x="133811" y="3055994"/>
-            <a:ext cx="1643015" cy="369332"/>
-          </a:xfrm>
-          <a:prstGeom prst="rect">
-            <a:avLst/>
-          </a:prstGeom>
-          <a:noFill/>
-        </p:spPr>
-        <p:txBody>
-          <a:bodyPr wrap="square" rtlCol="0">
-            <a:spAutoFit/>
-          </a:bodyPr>
-          <a:lstStyle/>
-          <a:p>
-            <a:r>
-              <a:rPr lang="en-US" altLang="ko-KR" dirty="0"/>
-              <a:t>- Event</a:t>
-            </a:r>
-            <a:endParaRPr lang="ko-KR" altLang="en-US" dirty="0"/>
-          </a:p>
-        </p:txBody>
-      </p:sp>
-      <p:pic>
-        <p:nvPicPr>
-          <p:cNvPr id="34" name="그림 33">
-            <a:extLst>
-              <a:ext uri="{FF2B5EF4-FFF2-40B4-BE49-F238E27FC236}">
-                <a16:creationId xmlns:a16="http://schemas.microsoft.com/office/drawing/2014/main" id="{5DEE3B00-D6A9-443E-AEE2-84E6051C4278}"/>
-              </a:ext>
-            </a:extLst>
-          </p:cNvPr>
-          <p:cNvPicPr>
-            <a:picLocks noChangeAspect="1"/>
-          </p:cNvPicPr>
-          <p:nvPr/>
-        </p:nvPicPr>
-        <p:blipFill>
-          <a:blip r:embed="rId12"/>
-          <a:stretch>
-            <a:fillRect/>
-          </a:stretch>
-        </p:blipFill>
-        <p:spPr>
-          <a:xfrm>
-            <a:off x="2305492" y="5167452"/>
-            <a:ext cx="1451937" cy="1477484"/>
-          </a:xfrm>
-          <a:prstGeom prst="rect">
-            <a:avLst/>
-          </a:prstGeom>
-        </p:spPr>
-      </p:pic>
-      <p:pic>
-        <p:nvPicPr>
-          <p:cNvPr id="36" name="그림 35">
-            <a:extLst>
-              <a:ext uri="{FF2B5EF4-FFF2-40B4-BE49-F238E27FC236}">
-                <a16:creationId xmlns:a16="http://schemas.microsoft.com/office/drawing/2014/main" id="{EA97ACB3-1C33-41C9-A4FF-E16BEADF9800}"/>
-              </a:ext>
-            </a:extLst>
-          </p:cNvPr>
-          <p:cNvPicPr>
-            <a:picLocks noChangeAspect="1"/>
-          </p:cNvPicPr>
-          <p:nvPr/>
-        </p:nvPicPr>
-        <p:blipFill>
-          <a:blip r:embed="rId13"/>
-          <a:stretch>
-            <a:fillRect/>
-          </a:stretch>
-        </p:blipFill>
-        <p:spPr>
-          <a:xfrm>
-            <a:off x="4830742" y="5261051"/>
-            <a:ext cx="1359956" cy="1383885"/>
+            <a:off x="4830742" y="3425326"/>
+            <a:ext cx="1737990" cy="1737990"/>
           </a:xfrm>
           <a:prstGeom prst="rect">
             <a:avLst/>
